--- a/Deployment Solution Architecture.pptx
+++ b/Deployment Solution Architecture.pptx
@@ -6,6 +6,7 @@
   </p:sldMasterIdLst>
   <p:sldIdLst>
     <p:sldId id="256" r:id="rId2"/>
+    <p:sldId id="257" r:id="rId3"/>
   </p:sldIdLst>
   <p:sldSz cx="12192000" cy="6858000"/>
   <p:notesSz cx="6858000" cy="9144000"/>
@@ -104,13 +105,18 @@
       </a:defRPr>
     </a:lvl9pPr>
   </p:defaultTextStyle>
+  <p:extLst>
+    <p:ext uri="{EFAFB233-063F-42B5-8137-9DF3F51BA10A}">
+      <p15:sldGuideLst xmlns:p15="http://schemas.microsoft.com/office/powerpoint/2012/main"/>
+    </p:ext>
+  </p:extLst>
 </p:presentation>
 </file>
 
 <file path=ppt/revisionInfo.xml><?xml version="1.0" encoding="utf-8"?>
 <p1510:revInfo xmlns:a="http://schemas.openxmlformats.org/drawingml/2006/main" xmlns:r="http://schemas.openxmlformats.org/officeDocument/2006/relationships" xmlns:p1510="http://schemas.microsoft.com/office/powerpoint/2015/10/main">
   <p1510:revLst>
-    <p1510:client id="{3B9F429B-1AEB-4DD5-AD73-73A31B64E65E}" v="16" dt="2022-05-28T01:49:54.805"/>
+    <p1510:client id="{3B9F429B-1AEB-4DD5-AD73-73A31B64E65E}" v="26" dt="2022-06-05T05:26:37.765"/>
   </p1510:revLst>
 </p1510:revInfo>
 </file>
@@ -119,13 +125,13 @@
 <pc:chgInfo xmlns:a="http://schemas.openxmlformats.org/drawingml/2006/main" xmlns:r="http://schemas.openxmlformats.org/officeDocument/2006/relationships" xmlns:ac="http://schemas.microsoft.com/office/drawing/2013/main/command" xmlns:pc="http://schemas.microsoft.com/office/powerpoint/2013/main/command">
   <pc:docChgLst>
     <pc:chgData name="Shaikh, Mudassar" userId="9f4881fc-e482-42de-9172-c22d9dd6ffbf" providerId="ADAL" clId="{3B9F429B-1AEB-4DD5-AD73-73A31B64E65E}"/>
-    <pc:docChg chg="undo custSel modSld">
-      <pc:chgData name="Shaikh, Mudassar" userId="9f4881fc-e482-42de-9172-c22d9dd6ffbf" providerId="ADAL" clId="{3B9F429B-1AEB-4DD5-AD73-73A31B64E65E}" dt="2022-05-28T01:50:16.054" v="110" actId="1035"/>
+    <pc:docChg chg="undo custSel addSld modSld">
+      <pc:chgData name="Shaikh, Mudassar" userId="9f4881fc-e482-42de-9172-c22d9dd6ffbf" providerId="ADAL" clId="{3B9F429B-1AEB-4DD5-AD73-73A31B64E65E}" dt="2022-06-05T05:26:37.762" v="127" actId="1076"/>
       <pc:docMkLst>
         <pc:docMk/>
       </pc:docMkLst>
       <pc:sldChg chg="addSp delSp modSp mod">
-        <pc:chgData name="Shaikh, Mudassar" userId="9f4881fc-e482-42de-9172-c22d9dd6ffbf" providerId="ADAL" clId="{3B9F429B-1AEB-4DD5-AD73-73A31B64E65E}" dt="2022-05-28T01:50:16.054" v="110" actId="1035"/>
+        <pc:chgData name="Shaikh, Mudassar" userId="9f4881fc-e482-42de-9172-c22d9dd6ffbf" providerId="ADAL" clId="{3B9F429B-1AEB-4DD5-AD73-73A31B64E65E}" dt="2022-06-05T05:26:37.762" v="127" actId="1076"/>
         <pc:sldMkLst>
           <pc:docMk/>
           <pc:sldMk cId="1413154245" sldId="256"/>
@@ -218,6 +224,30 @@
             <ac:spMk id="1044" creationId="{7DFDADA9-7F91-428F-9955-26CF4B865FEC}"/>
           </ac:spMkLst>
         </pc:spChg>
+        <pc:picChg chg="add mod">
+          <ac:chgData name="Shaikh, Mudassar" userId="9f4881fc-e482-42de-9172-c22d9dd6ffbf" providerId="ADAL" clId="{3B9F429B-1AEB-4DD5-AD73-73A31B64E65E}" dt="2022-06-05T05:26:37.762" v="127" actId="1076"/>
+          <ac:picMkLst>
+            <pc:docMk/>
+            <pc:sldMk cId="1413154245" sldId="256"/>
+            <ac:picMk id="33" creationId="{A439C045-95FA-407C-8F19-4BC47A884872}"/>
+          </ac:picMkLst>
+        </pc:picChg>
+        <pc:picChg chg="add mod">
+          <ac:chgData name="Shaikh, Mudassar" userId="9f4881fc-e482-42de-9172-c22d9dd6ffbf" providerId="ADAL" clId="{3B9F429B-1AEB-4DD5-AD73-73A31B64E65E}" dt="2022-06-05T05:26:22.842" v="124" actId="1076"/>
+          <ac:picMkLst>
+            <pc:docMk/>
+            <pc:sldMk cId="1413154245" sldId="256"/>
+            <ac:picMk id="34" creationId="{A315FBB2-AABD-404A-A308-F72C58B8CF8C}"/>
+          </ac:picMkLst>
+        </pc:picChg>
+        <pc:picChg chg="add mod">
+          <ac:chgData name="Shaikh, Mudassar" userId="9f4881fc-e482-42de-9172-c22d9dd6ffbf" providerId="ADAL" clId="{3B9F429B-1AEB-4DD5-AD73-73A31B64E65E}" dt="2022-06-05T05:26:28.768" v="125"/>
+          <ac:picMkLst>
+            <pc:docMk/>
+            <pc:sldMk cId="1413154245" sldId="256"/>
+            <ac:picMk id="35" creationId="{96097EDF-29EA-4137-B15C-9F14ADFDAA4C}"/>
+          </ac:picMkLst>
+        </pc:picChg>
         <pc:picChg chg="mod">
           <ac:chgData name="Shaikh, Mudassar" userId="9f4881fc-e482-42de-9172-c22d9dd6ffbf" providerId="ADAL" clId="{3B9F429B-1AEB-4DD5-AD73-73A31B64E65E}" dt="2022-05-28T01:44:32.808" v="0" actId="1076"/>
           <ac:picMkLst>
@@ -291,6 +321,21 @@
           </ac:cxnSpMkLst>
         </pc:cxnChg>
       </pc:sldChg>
+      <pc:sldChg chg="modSp add mod">
+        <pc:chgData name="Shaikh, Mudassar" userId="9f4881fc-e482-42de-9172-c22d9dd6ffbf" providerId="ADAL" clId="{3B9F429B-1AEB-4DD5-AD73-73A31B64E65E}" dt="2022-06-05T05:25:56.424" v="118" actId="14100"/>
+        <pc:sldMkLst>
+          <pc:docMk/>
+          <pc:sldMk cId="1639145241" sldId="257"/>
+        </pc:sldMkLst>
+        <pc:spChg chg="mod">
+          <ac:chgData name="Shaikh, Mudassar" userId="9f4881fc-e482-42de-9172-c22d9dd6ffbf" providerId="ADAL" clId="{3B9F429B-1AEB-4DD5-AD73-73A31B64E65E}" dt="2022-06-05T05:25:56.424" v="118" actId="14100"/>
+          <ac:spMkLst>
+            <pc:docMk/>
+            <pc:sldMk cId="1639145241" sldId="257"/>
+            <ac:spMk id="51" creationId="{51ABD6D3-2458-4C41-B738-FD0EBE3C7633}"/>
+          </ac:spMkLst>
+        </pc:spChg>
+      </pc:sldChg>
     </pc:docChg>
   </pc:docChgLst>
 </pc:chgInfo>
@@ -443,7 +488,7 @@
           <a:p>
             <a:fld id="{3383C5F8-F52D-4336-8526-0D6A8573B6A3}" type="datetimeFigureOut">
               <a:rPr lang="en-US" smtClean="0"/>
-              <a:t>5/27/2022</a:t>
+              <a:t>6/4/2022</a:t>
             </a:fld>
             <a:endParaRPr lang="en-US"/>
           </a:p>
@@ -641,7 +686,7 @@
           <a:p>
             <a:fld id="{3383C5F8-F52D-4336-8526-0D6A8573B6A3}" type="datetimeFigureOut">
               <a:rPr lang="en-US" smtClean="0"/>
-              <a:t>5/27/2022</a:t>
+              <a:t>6/4/2022</a:t>
             </a:fld>
             <a:endParaRPr lang="en-US"/>
           </a:p>
@@ -849,7 +894,7 @@
           <a:p>
             <a:fld id="{3383C5F8-F52D-4336-8526-0D6A8573B6A3}" type="datetimeFigureOut">
               <a:rPr lang="en-US" smtClean="0"/>
-              <a:t>5/27/2022</a:t>
+              <a:t>6/4/2022</a:t>
             </a:fld>
             <a:endParaRPr lang="en-US"/>
           </a:p>
@@ -1047,7 +1092,7 @@
           <a:p>
             <a:fld id="{3383C5F8-F52D-4336-8526-0D6A8573B6A3}" type="datetimeFigureOut">
               <a:rPr lang="en-US" smtClean="0"/>
-              <a:t>5/27/2022</a:t>
+              <a:t>6/4/2022</a:t>
             </a:fld>
             <a:endParaRPr lang="en-US"/>
           </a:p>
@@ -1322,7 +1367,7 @@
           <a:p>
             <a:fld id="{3383C5F8-F52D-4336-8526-0D6A8573B6A3}" type="datetimeFigureOut">
               <a:rPr lang="en-US" smtClean="0"/>
-              <a:t>5/27/2022</a:t>
+              <a:t>6/4/2022</a:t>
             </a:fld>
             <a:endParaRPr lang="en-US"/>
           </a:p>
@@ -1587,7 +1632,7 @@
           <a:p>
             <a:fld id="{3383C5F8-F52D-4336-8526-0D6A8573B6A3}" type="datetimeFigureOut">
               <a:rPr lang="en-US" smtClean="0"/>
-              <a:t>5/27/2022</a:t>
+              <a:t>6/4/2022</a:t>
             </a:fld>
             <a:endParaRPr lang="en-US"/>
           </a:p>
@@ -1999,7 +2044,7 @@
           <a:p>
             <a:fld id="{3383C5F8-F52D-4336-8526-0D6A8573B6A3}" type="datetimeFigureOut">
               <a:rPr lang="en-US" smtClean="0"/>
-              <a:t>5/27/2022</a:t>
+              <a:t>6/4/2022</a:t>
             </a:fld>
             <a:endParaRPr lang="en-US"/>
           </a:p>
@@ -2140,7 +2185,7 @@
           <a:p>
             <a:fld id="{3383C5F8-F52D-4336-8526-0D6A8573B6A3}" type="datetimeFigureOut">
               <a:rPr lang="en-US" smtClean="0"/>
-              <a:t>5/27/2022</a:t>
+              <a:t>6/4/2022</a:t>
             </a:fld>
             <a:endParaRPr lang="en-US"/>
           </a:p>
@@ -2253,7 +2298,7 @@
           <a:p>
             <a:fld id="{3383C5F8-F52D-4336-8526-0D6A8573B6A3}" type="datetimeFigureOut">
               <a:rPr lang="en-US" smtClean="0"/>
-              <a:t>5/27/2022</a:t>
+              <a:t>6/4/2022</a:t>
             </a:fld>
             <a:endParaRPr lang="en-US"/>
           </a:p>
@@ -2564,7 +2609,7 @@
           <a:p>
             <a:fld id="{3383C5F8-F52D-4336-8526-0D6A8573B6A3}" type="datetimeFigureOut">
               <a:rPr lang="en-US" smtClean="0"/>
-              <a:t>5/27/2022</a:t>
+              <a:t>6/4/2022</a:t>
             </a:fld>
             <a:endParaRPr lang="en-US"/>
           </a:p>
@@ -2852,7 +2897,7 @@
           <a:p>
             <a:fld id="{3383C5F8-F52D-4336-8526-0D6A8573B6A3}" type="datetimeFigureOut">
               <a:rPr lang="en-US" smtClean="0"/>
-              <a:t>5/27/2022</a:t>
+              <a:t>6/4/2022</a:t>
             </a:fld>
             <a:endParaRPr lang="en-US"/>
           </a:p>
@@ -3093,7 +3138,7 @@
           <a:p>
             <a:fld id="{3383C5F8-F52D-4336-8526-0D6A8573B6A3}" type="datetimeFigureOut">
               <a:rPr lang="en-US" smtClean="0"/>
-              <a:t>5/27/2022</a:t>
+              <a:t>6/4/2022</a:t>
             </a:fld>
             <a:endParaRPr lang="en-US"/>
           </a:p>
@@ -4774,10 +4819,1889 @@
           </a:fontRef>
         </p:style>
       </p:cxnSp>
+      <p:pic>
+        <p:nvPicPr>
+          <p:cNvPr id="33" name="Picture 2" descr="Image result for python logo">
+            <a:extLst>
+              <a:ext uri="{FF2B5EF4-FFF2-40B4-BE49-F238E27FC236}">
+                <a16:creationId xmlns:a16="http://schemas.microsoft.com/office/drawing/2014/main" id="{A439C045-95FA-407C-8F19-4BC47A884872}"/>
+              </a:ext>
+            </a:extLst>
+          </p:cNvPr>
+          <p:cNvPicPr>
+            <a:picLocks noChangeAspect="1" noChangeArrowheads="1"/>
+          </p:cNvPicPr>
+          <p:nvPr/>
+        </p:nvPicPr>
+        <p:blipFill>
+          <a:blip r:embed="rId17">
+            <a:extLst>
+              <a:ext uri="{28A0092B-C50C-407E-A947-70E740481C1C}">
+                <a14:useLocalDpi xmlns:a14="http://schemas.microsoft.com/office/drawing/2010/main" val="0"/>
+              </a:ext>
+            </a:extLst>
+          </a:blip>
+          <a:srcRect/>
+          <a:stretch>
+            <a:fillRect/>
+          </a:stretch>
+        </p:blipFill>
+        <p:spPr bwMode="auto">
+          <a:xfrm>
+            <a:off x="8470066" y="4883194"/>
+            <a:ext cx="583981" cy="609153"/>
+          </a:xfrm>
+          <a:prstGeom prst="rect">
+            <a:avLst/>
+          </a:prstGeom>
+          <a:noFill/>
+          <a:extLst>
+            <a:ext uri="{909E8E84-426E-40DD-AFC4-6F175D3DCCD1}">
+              <a14:hiddenFill xmlns:a14="http://schemas.microsoft.com/office/drawing/2010/main">
+                <a:solidFill>
+                  <a:srgbClr val="FFFFFF"/>
+                </a:solidFill>
+              </a14:hiddenFill>
+            </a:ext>
+          </a:extLst>
+        </p:spPr>
+      </p:pic>
+      <p:pic>
+        <p:nvPicPr>
+          <p:cNvPr id="34" name="Picture 2" descr="Image result for python logo">
+            <a:extLst>
+              <a:ext uri="{FF2B5EF4-FFF2-40B4-BE49-F238E27FC236}">
+                <a16:creationId xmlns:a16="http://schemas.microsoft.com/office/drawing/2014/main" id="{A315FBB2-AABD-404A-A308-F72C58B8CF8C}"/>
+              </a:ext>
+            </a:extLst>
+          </p:cNvPr>
+          <p:cNvPicPr>
+            <a:picLocks noChangeAspect="1" noChangeArrowheads="1"/>
+          </p:cNvPicPr>
+          <p:nvPr/>
+        </p:nvPicPr>
+        <p:blipFill>
+          <a:blip r:embed="rId17">
+            <a:extLst>
+              <a:ext uri="{28A0092B-C50C-407E-A947-70E740481C1C}">
+                <a14:useLocalDpi xmlns:a14="http://schemas.microsoft.com/office/drawing/2010/main" val="0"/>
+              </a:ext>
+            </a:extLst>
+          </a:blip>
+          <a:srcRect/>
+          <a:stretch>
+            <a:fillRect/>
+          </a:stretch>
+        </p:blipFill>
+        <p:spPr bwMode="auto">
+          <a:xfrm>
+            <a:off x="5313308" y="3654926"/>
+            <a:ext cx="583981" cy="609153"/>
+          </a:xfrm>
+          <a:prstGeom prst="rect">
+            <a:avLst/>
+          </a:prstGeom>
+          <a:noFill/>
+          <a:extLst>
+            <a:ext uri="{909E8E84-426E-40DD-AFC4-6F175D3DCCD1}">
+              <a14:hiddenFill xmlns:a14="http://schemas.microsoft.com/office/drawing/2010/main">
+                <a:solidFill>
+                  <a:srgbClr val="FFFFFF"/>
+                </a:solidFill>
+              </a14:hiddenFill>
+            </a:ext>
+          </a:extLst>
+        </p:spPr>
+      </p:pic>
+      <p:pic>
+        <p:nvPicPr>
+          <p:cNvPr id="35" name="Picture 2" descr="Image result for python logo">
+            <a:extLst>
+              <a:ext uri="{FF2B5EF4-FFF2-40B4-BE49-F238E27FC236}">
+                <a16:creationId xmlns:a16="http://schemas.microsoft.com/office/drawing/2014/main" id="{96097EDF-29EA-4137-B15C-9F14ADFDAA4C}"/>
+              </a:ext>
+            </a:extLst>
+          </p:cNvPr>
+          <p:cNvPicPr>
+            <a:picLocks noChangeAspect="1" noChangeArrowheads="1"/>
+          </p:cNvPicPr>
+          <p:nvPr/>
+        </p:nvPicPr>
+        <p:blipFill>
+          <a:blip r:embed="rId17">
+            <a:extLst>
+              <a:ext uri="{28A0092B-C50C-407E-A947-70E740481C1C}">
+                <a14:useLocalDpi xmlns:a14="http://schemas.microsoft.com/office/drawing/2010/main" val="0"/>
+              </a:ext>
+            </a:extLst>
+          </a:blip>
+          <a:srcRect/>
+          <a:stretch>
+            <a:fillRect/>
+          </a:stretch>
+        </p:blipFill>
+        <p:spPr bwMode="auto">
+          <a:xfrm>
+            <a:off x="5465708" y="2992759"/>
+            <a:ext cx="583981" cy="609153"/>
+          </a:xfrm>
+          <a:prstGeom prst="rect">
+            <a:avLst/>
+          </a:prstGeom>
+          <a:noFill/>
+          <a:extLst>
+            <a:ext uri="{909E8E84-426E-40DD-AFC4-6F175D3DCCD1}">
+              <a14:hiddenFill xmlns:a14="http://schemas.microsoft.com/office/drawing/2010/main">
+                <a:solidFill>
+                  <a:srgbClr val="FFFFFF"/>
+                </a:solidFill>
+              </a14:hiddenFill>
+            </a:ext>
+          </a:extLst>
+        </p:spPr>
+      </p:pic>
     </p:spTree>
     <p:extLst>
       <p:ext uri="{BB962C8B-B14F-4D97-AF65-F5344CB8AC3E}">
         <p14:creationId xmlns:p14="http://schemas.microsoft.com/office/powerpoint/2010/main" val="1413154245"/>
+      </p:ext>
+    </p:extLst>
+  </p:cSld>
+  <p:clrMapOvr>
+    <a:masterClrMapping/>
+  </p:clrMapOvr>
+</p:sld>
+</file>
+
+<file path=ppt/slides/slide2.xml><?xml version="1.0" encoding="utf-8"?>
+<p:sld xmlns:a="http://schemas.openxmlformats.org/drawingml/2006/main" xmlns:r="http://schemas.openxmlformats.org/officeDocument/2006/relationships" xmlns:p="http://schemas.openxmlformats.org/presentationml/2006/main">
+  <p:cSld>
+    <p:spTree>
+      <p:nvGrpSpPr>
+        <p:cNvPr id="1" name=""/>
+        <p:cNvGrpSpPr/>
+        <p:nvPr/>
+      </p:nvGrpSpPr>
+      <p:grpSpPr>
+        <a:xfrm>
+          <a:off x="0" y="0"/>
+          <a:ext cx="0" cy="0"/>
+          <a:chOff x="0" y="0"/>
+          <a:chExt cx="0" cy="0"/>
+        </a:xfrm>
+      </p:grpSpPr>
+      <p:sp>
+        <p:nvSpPr>
+          <p:cNvPr id="4" name="Rectangle: Rounded Corners 3">
+            <a:extLst>
+              <a:ext uri="{FF2B5EF4-FFF2-40B4-BE49-F238E27FC236}">
+                <a16:creationId xmlns:a16="http://schemas.microsoft.com/office/drawing/2014/main" id="{1A9C33B0-DDE4-4C32-9EEF-E25B946FA392}"/>
+              </a:ext>
+            </a:extLst>
+          </p:cNvPr>
+          <p:cNvSpPr/>
+          <p:nvPr/>
+        </p:nvSpPr>
+        <p:spPr>
+          <a:xfrm>
+            <a:off x="5465379" y="651641"/>
+            <a:ext cx="4813738" cy="1660635"/>
+          </a:xfrm>
+          <a:custGeom>
+            <a:avLst/>
+            <a:gdLst>
+              <a:gd name="connsiteX0" fmla="*/ 0 w 4813738"/>
+              <a:gd name="connsiteY0" fmla="*/ 276778 h 1660635"/>
+              <a:gd name="connsiteX1" fmla="*/ 276778 w 4813738"/>
+              <a:gd name="connsiteY1" fmla="*/ 0 h 1660635"/>
+              <a:gd name="connsiteX2" fmla="*/ 766699 w 4813738"/>
+              <a:gd name="connsiteY2" fmla="*/ 0 h 1660635"/>
+              <a:gd name="connsiteX3" fmla="*/ 1214018 w 4813738"/>
+              <a:gd name="connsiteY3" fmla="*/ 0 h 1660635"/>
+              <a:gd name="connsiteX4" fmla="*/ 1831744 w 4813738"/>
+              <a:gd name="connsiteY4" fmla="*/ 0 h 1660635"/>
+              <a:gd name="connsiteX5" fmla="*/ 2236462 w 4813738"/>
+              <a:gd name="connsiteY5" fmla="*/ 0 h 1660635"/>
+              <a:gd name="connsiteX6" fmla="*/ 2811586 w 4813738"/>
+              <a:gd name="connsiteY6" fmla="*/ 0 h 1660635"/>
+              <a:gd name="connsiteX7" fmla="*/ 3301507 w 4813738"/>
+              <a:gd name="connsiteY7" fmla="*/ 0 h 1660635"/>
+              <a:gd name="connsiteX8" fmla="*/ 3876632 w 4813738"/>
+              <a:gd name="connsiteY8" fmla="*/ 0 h 1660635"/>
+              <a:gd name="connsiteX9" fmla="*/ 4536960 w 4813738"/>
+              <a:gd name="connsiteY9" fmla="*/ 0 h 1660635"/>
+              <a:gd name="connsiteX10" fmla="*/ 4813738 w 4813738"/>
+              <a:gd name="connsiteY10" fmla="*/ 276778 h 1660635"/>
+              <a:gd name="connsiteX11" fmla="*/ 4813738 w 4813738"/>
+              <a:gd name="connsiteY11" fmla="*/ 797105 h 1660635"/>
+              <a:gd name="connsiteX12" fmla="*/ 4813738 w 4813738"/>
+              <a:gd name="connsiteY12" fmla="*/ 1383857 h 1660635"/>
+              <a:gd name="connsiteX13" fmla="*/ 4536960 w 4813738"/>
+              <a:gd name="connsiteY13" fmla="*/ 1660635 h 1660635"/>
+              <a:gd name="connsiteX14" fmla="*/ 4089641 w 4813738"/>
+              <a:gd name="connsiteY14" fmla="*/ 1660635 h 1660635"/>
+              <a:gd name="connsiteX15" fmla="*/ 3514516 w 4813738"/>
+              <a:gd name="connsiteY15" fmla="*/ 1660635 h 1660635"/>
+              <a:gd name="connsiteX16" fmla="*/ 3067197 w 4813738"/>
+              <a:gd name="connsiteY16" fmla="*/ 1660635 h 1660635"/>
+              <a:gd name="connsiteX17" fmla="*/ 2449471 w 4813738"/>
+              <a:gd name="connsiteY17" fmla="*/ 1660635 h 1660635"/>
+              <a:gd name="connsiteX18" fmla="*/ 1874346 w 4813738"/>
+              <a:gd name="connsiteY18" fmla="*/ 1660635 h 1660635"/>
+              <a:gd name="connsiteX19" fmla="*/ 1256620 w 4813738"/>
+              <a:gd name="connsiteY19" fmla="*/ 1660635 h 1660635"/>
+              <a:gd name="connsiteX20" fmla="*/ 851903 w 4813738"/>
+              <a:gd name="connsiteY20" fmla="*/ 1660635 h 1660635"/>
+              <a:gd name="connsiteX21" fmla="*/ 276778 w 4813738"/>
+              <a:gd name="connsiteY21" fmla="*/ 1660635 h 1660635"/>
+              <a:gd name="connsiteX22" fmla="*/ 0 w 4813738"/>
+              <a:gd name="connsiteY22" fmla="*/ 1383857 h 1660635"/>
+              <a:gd name="connsiteX23" fmla="*/ 0 w 4813738"/>
+              <a:gd name="connsiteY23" fmla="*/ 863530 h 1660635"/>
+              <a:gd name="connsiteX24" fmla="*/ 0 w 4813738"/>
+              <a:gd name="connsiteY24" fmla="*/ 276778 h 1660635"/>
+            </a:gdLst>
+            <a:ahLst/>
+            <a:cxnLst>
+              <a:cxn ang="0">
+                <a:pos x="connsiteX0" y="connsiteY0"/>
+              </a:cxn>
+              <a:cxn ang="0">
+                <a:pos x="connsiteX1" y="connsiteY1"/>
+              </a:cxn>
+              <a:cxn ang="0">
+                <a:pos x="connsiteX2" y="connsiteY2"/>
+              </a:cxn>
+              <a:cxn ang="0">
+                <a:pos x="connsiteX3" y="connsiteY3"/>
+              </a:cxn>
+              <a:cxn ang="0">
+                <a:pos x="connsiteX4" y="connsiteY4"/>
+              </a:cxn>
+              <a:cxn ang="0">
+                <a:pos x="connsiteX5" y="connsiteY5"/>
+              </a:cxn>
+              <a:cxn ang="0">
+                <a:pos x="connsiteX6" y="connsiteY6"/>
+              </a:cxn>
+              <a:cxn ang="0">
+                <a:pos x="connsiteX7" y="connsiteY7"/>
+              </a:cxn>
+              <a:cxn ang="0">
+                <a:pos x="connsiteX8" y="connsiteY8"/>
+              </a:cxn>
+              <a:cxn ang="0">
+                <a:pos x="connsiteX9" y="connsiteY9"/>
+              </a:cxn>
+              <a:cxn ang="0">
+                <a:pos x="connsiteX10" y="connsiteY10"/>
+              </a:cxn>
+              <a:cxn ang="0">
+                <a:pos x="connsiteX11" y="connsiteY11"/>
+              </a:cxn>
+              <a:cxn ang="0">
+                <a:pos x="connsiteX12" y="connsiteY12"/>
+              </a:cxn>
+              <a:cxn ang="0">
+                <a:pos x="connsiteX13" y="connsiteY13"/>
+              </a:cxn>
+              <a:cxn ang="0">
+                <a:pos x="connsiteX14" y="connsiteY14"/>
+              </a:cxn>
+              <a:cxn ang="0">
+                <a:pos x="connsiteX15" y="connsiteY15"/>
+              </a:cxn>
+              <a:cxn ang="0">
+                <a:pos x="connsiteX16" y="connsiteY16"/>
+              </a:cxn>
+              <a:cxn ang="0">
+                <a:pos x="connsiteX17" y="connsiteY17"/>
+              </a:cxn>
+              <a:cxn ang="0">
+                <a:pos x="connsiteX18" y="connsiteY18"/>
+              </a:cxn>
+              <a:cxn ang="0">
+                <a:pos x="connsiteX19" y="connsiteY19"/>
+              </a:cxn>
+              <a:cxn ang="0">
+                <a:pos x="connsiteX20" y="connsiteY20"/>
+              </a:cxn>
+              <a:cxn ang="0">
+                <a:pos x="connsiteX21" y="connsiteY21"/>
+              </a:cxn>
+              <a:cxn ang="0">
+                <a:pos x="connsiteX22" y="connsiteY22"/>
+              </a:cxn>
+              <a:cxn ang="0">
+                <a:pos x="connsiteX23" y="connsiteY23"/>
+              </a:cxn>
+              <a:cxn ang="0">
+                <a:pos x="connsiteX24" y="connsiteY24"/>
+              </a:cxn>
+            </a:cxnLst>
+            <a:rect l="l" t="t" r="r" b="b"/>
+            <a:pathLst>
+              <a:path w="4813738" h="1660635" extrusionOk="0">
+                <a:moveTo>
+                  <a:pt x="0" y="276778"/>
+                </a:moveTo>
+                <a:cubicBezTo>
+                  <a:pt x="30958" y="106570"/>
+                  <a:pt x="131532" y="1854"/>
+                  <a:pt x="276778" y="0"/>
+                </a:cubicBezTo>
+                <a:cubicBezTo>
+                  <a:pt x="470969" y="-30471"/>
+                  <a:pt x="629432" y="3144"/>
+                  <a:pt x="766699" y="0"/>
+                </a:cubicBezTo>
+                <a:cubicBezTo>
+                  <a:pt x="903966" y="-3144"/>
+                  <a:pt x="1031685" y="17169"/>
+                  <a:pt x="1214018" y="0"/>
+                </a:cubicBezTo>
+                <a:cubicBezTo>
+                  <a:pt x="1396351" y="-17169"/>
+                  <a:pt x="1663491" y="68278"/>
+                  <a:pt x="1831744" y="0"/>
+                </a:cubicBezTo>
+                <a:cubicBezTo>
+                  <a:pt x="1999997" y="-68278"/>
+                  <a:pt x="2062477" y="17227"/>
+                  <a:pt x="2236462" y="0"/>
+                </a:cubicBezTo>
+                <a:cubicBezTo>
+                  <a:pt x="2410447" y="-17227"/>
+                  <a:pt x="2559636" y="57795"/>
+                  <a:pt x="2811586" y="0"/>
+                </a:cubicBezTo>
+                <a:cubicBezTo>
+                  <a:pt x="3063536" y="-57795"/>
+                  <a:pt x="3128784" y="9736"/>
+                  <a:pt x="3301507" y="0"/>
+                </a:cubicBezTo>
+                <a:cubicBezTo>
+                  <a:pt x="3474230" y="-9736"/>
+                  <a:pt x="3690224" y="43416"/>
+                  <a:pt x="3876632" y="0"/>
+                </a:cubicBezTo>
+                <a:cubicBezTo>
+                  <a:pt x="4063040" y="-43416"/>
+                  <a:pt x="4221775" y="3528"/>
+                  <a:pt x="4536960" y="0"/>
+                </a:cubicBezTo>
+                <a:cubicBezTo>
+                  <a:pt x="4698987" y="13"/>
+                  <a:pt x="4814920" y="139111"/>
+                  <a:pt x="4813738" y="276778"/>
+                </a:cubicBezTo>
+                <a:cubicBezTo>
+                  <a:pt x="4867813" y="428230"/>
+                  <a:pt x="4791183" y="568287"/>
+                  <a:pt x="4813738" y="797105"/>
+                </a:cubicBezTo>
+                <a:cubicBezTo>
+                  <a:pt x="4836293" y="1025923"/>
+                  <a:pt x="4744023" y="1188467"/>
+                  <a:pt x="4813738" y="1383857"/>
+                </a:cubicBezTo>
+                <a:cubicBezTo>
+                  <a:pt x="4816609" y="1555678"/>
+                  <a:pt x="4681010" y="1654551"/>
+                  <a:pt x="4536960" y="1660635"/>
+                </a:cubicBezTo>
+                <a:cubicBezTo>
+                  <a:pt x="4333523" y="1661115"/>
+                  <a:pt x="4271566" y="1641513"/>
+                  <a:pt x="4089641" y="1660635"/>
+                </a:cubicBezTo>
+                <a:cubicBezTo>
+                  <a:pt x="3907716" y="1679757"/>
+                  <a:pt x="3715238" y="1604078"/>
+                  <a:pt x="3514516" y="1660635"/>
+                </a:cubicBezTo>
+                <a:cubicBezTo>
+                  <a:pt x="3313795" y="1717192"/>
+                  <a:pt x="3225452" y="1630523"/>
+                  <a:pt x="3067197" y="1660635"/>
+                </a:cubicBezTo>
+                <a:cubicBezTo>
+                  <a:pt x="2908942" y="1690747"/>
+                  <a:pt x="2618799" y="1622129"/>
+                  <a:pt x="2449471" y="1660635"/>
+                </a:cubicBezTo>
+                <a:cubicBezTo>
+                  <a:pt x="2280143" y="1699141"/>
+                  <a:pt x="2148387" y="1624580"/>
+                  <a:pt x="1874346" y="1660635"/>
+                </a:cubicBezTo>
+                <a:cubicBezTo>
+                  <a:pt x="1600305" y="1696690"/>
+                  <a:pt x="1449969" y="1608575"/>
+                  <a:pt x="1256620" y="1660635"/>
+                </a:cubicBezTo>
+                <a:cubicBezTo>
+                  <a:pt x="1063271" y="1712695"/>
+                  <a:pt x="1009175" y="1642516"/>
+                  <a:pt x="851903" y="1660635"/>
+                </a:cubicBezTo>
+                <a:cubicBezTo>
+                  <a:pt x="694631" y="1678754"/>
+                  <a:pt x="496359" y="1647860"/>
+                  <a:pt x="276778" y="1660635"/>
+                </a:cubicBezTo>
+                <a:cubicBezTo>
+                  <a:pt x="151838" y="1675072"/>
+                  <a:pt x="15164" y="1521007"/>
+                  <a:pt x="0" y="1383857"/>
+                </a:cubicBezTo>
+                <a:cubicBezTo>
+                  <a:pt x="-7865" y="1219649"/>
+                  <a:pt x="28692" y="1001855"/>
+                  <a:pt x="0" y="863530"/>
+                </a:cubicBezTo>
+                <a:cubicBezTo>
+                  <a:pt x="-28692" y="725205"/>
+                  <a:pt x="61101" y="497585"/>
+                  <a:pt x="0" y="276778"/>
+                </a:cubicBezTo>
+                <a:close/>
+              </a:path>
+            </a:pathLst>
+          </a:custGeom>
+          <a:noFill/>
+          <a:ln w="19050">
+            <a:solidFill>
+              <a:srgbClr val="002060"/>
+            </a:solidFill>
+            <a:prstDash val="lgDash"/>
+            <a:extLst>
+              <a:ext uri="{C807C97D-BFC1-408E-A445-0C87EB9F89A2}">
+                <ask:lineSketchStyleProps xmlns:ask="http://schemas.microsoft.com/office/drawing/2018/sketchyshapes" sd="2842844309">
+                  <a:prstGeom prst="roundRect">
+                    <a:avLst/>
+                  </a:prstGeom>
+                  <ask:type>
+                    <ask:lineSketchScribble/>
+                  </ask:type>
+                </ask:lineSketchStyleProps>
+              </a:ext>
+            </a:extLst>
+          </a:ln>
+        </p:spPr>
+        <p:style>
+          <a:lnRef idx="2">
+            <a:schemeClr val="accent1">
+              <a:shade val="50000"/>
+            </a:schemeClr>
+          </a:lnRef>
+          <a:fillRef idx="1">
+            <a:schemeClr val="accent1"/>
+          </a:fillRef>
+          <a:effectRef idx="0">
+            <a:schemeClr val="accent1"/>
+          </a:effectRef>
+          <a:fontRef idx="minor">
+            <a:schemeClr val="lt1"/>
+          </a:fontRef>
+        </p:style>
+        <p:txBody>
+          <a:bodyPr rtlCol="0" anchor="ctr"/>
+          <a:lstStyle/>
+          <a:p>
+            <a:pPr algn="ctr"/>
+            <a:endParaRPr lang="en-US"/>
+          </a:p>
+        </p:txBody>
+      </p:sp>
+      <p:pic>
+        <p:nvPicPr>
+          <p:cNvPr id="1026" name="Picture 2" descr="Image result for python logo">
+            <a:extLst>
+              <a:ext uri="{FF2B5EF4-FFF2-40B4-BE49-F238E27FC236}">
+                <a16:creationId xmlns:a16="http://schemas.microsoft.com/office/drawing/2014/main" id="{0D2B3AC7-E688-4D28-9258-F7E245DF6C91}"/>
+              </a:ext>
+            </a:extLst>
+          </p:cNvPr>
+          <p:cNvPicPr>
+            <a:picLocks noChangeAspect="1" noChangeArrowheads="1"/>
+          </p:cNvPicPr>
+          <p:nvPr/>
+        </p:nvPicPr>
+        <p:blipFill>
+          <a:blip r:embed="rId2">
+            <a:extLst>
+              <a:ext uri="{28A0092B-C50C-407E-A947-70E740481C1C}">
+                <a14:useLocalDpi xmlns:a14="http://schemas.microsoft.com/office/drawing/2010/main" val="0"/>
+              </a:ext>
+            </a:extLst>
+          </a:blip>
+          <a:srcRect/>
+          <a:stretch>
+            <a:fillRect/>
+          </a:stretch>
+        </p:blipFill>
+        <p:spPr bwMode="auto">
+          <a:xfrm>
+            <a:off x="1381453" y="2863142"/>
+            <a:ext cx="583981" cy="609153"/>
+          </a:xfrm>
+          <a:prstGeom prst="rect">
+            <a:avLst/>
+          </a:prstGeom>
+          <a:noFill/>
+          <a:extLst>
+            <a:ext uri="{909E8E84-426E-40DD-AFC4-6F175D3DCCD1}">
+              <a14:hiddenFill xmlns:a14="http://schemas.microsoft.com/office/drawing/2010/main">
+                <a:solidFill>
+                  <a:srgbClr val="FFFFFF"/>
+                </a:solidFill>
+              </a14:hiddenFill>
+            </a:ext>
+          </a:extLst>
+        </p:spPr>
+      </p:pic>
+      <p:pic>
+        <p:nvPicPr>
+          <p:cNvPr id="1028" name="Picture 4" descr="PKL File Extension | Associated Programs | Free Online Tools - FileProInfo">
+            <a:extLst>
+              <a:ext uri="{FF2B5EF4-FFF2-40B4-BE49-F238E27FC236}">
+                <a16:creationId xmlns:a16="http://schemas.microsoft.com/office/drawing/2014/main" id="{93009640-4241-486E-9953-2239744FB97E}"/>
+              </a:ext>
+            </a:extLst>
+          </p:cNvPr>
+          <p:cNvPicPr>
+            <a:picLocks noChangeAspect="1" noChangeArrowheads="1"/>
+          </p:cNvPicPr>
+          <p:nvPr/>
+        </p:nvPicPr>
+        <p:blipFill>
+          <a:blip r:embed="rId3">
+            <a:extLst>
+              <a:ext uri="{28A0092B-C50C-407E-A947-70E740481C1C}">
+                <a14:useLocalDpi xmlns:a14="http://schemas.microsoft.com/office/drawing/2010/main" val="0"/>
+              </a:ext>
+            </a:extLst>
+          </a:blip>
+          <a:srcRect/>
+          <a:stretch>
+            <a:fillRect/>
+          </a:stretch>
+        </p:blipFill>
+        <p:spPr bwMode="auto">
+          <a:xfrm>
+            <a:off x="3684700" y="2822953"/>
+            <a:ext cx="596618" cy="649342"/>
+          </a:xfrm>
+          <a:prstGeom prst="rect">
+            <a:avLst/>
+          </a:prstGeom>
+          <a:noFill/>
+          <a:extLst>
+            <a:ext uri="{909E8E84-426E-40DD-AFC4-6F175D3DCCD1}">
+              <a14:hiddenFill xmlns:a14="http://schemas.microsoft.com/office/drawing/2010/main">
+                <a:solidFill>
+                  <a:srgbClr val="FFFFFF"/>
+                </a:solidFill>
+              </a14:hiddenFill>
+            </a:ext>
+          </a:extLst>
+        </p:spPr>
+      </p:pic>
+      <p:pic>
+        <p:nvPicPr>
+          <p:cNvPr id="6" name="Picture 2" descr="Image result for python logo">
+            <a:extLst>
+              <a:ext uri="{FF2B5EF4-FFF2-40B4-BE49-F238E27FC236}">
+                <a16:creationId xmlns:a16="http://schemas.microsoft.com/office/drawing/2014/main" id="{44B77CBF-97ED-4387-8F76-044C79E90EB2}"/>
+              </a:ext>
+            </a:extLst>
+          </p:cNvPr>
+          <p:cNvPicPr>
+            <a:picLocks noChangeAspect="1" noChangeArrowheads="1"/>
+          </p:cNvPicPr>
+          <p:nvPr/>
+        </p:nvPicPr>
+        <p:blipFill>
+          <a:blip r:embed="rId2">
+            <a:extLst>
+              <a:ext uri="{28A0092B-C50C-407E-A947-70E740481C1C}">
+                <a14:useLocalDpi xmlns:a14="http://schemas.microsoft.com/office/drawing/2010/main" val="0"/>
+              </a:ext>
+            </a:extLst>
+          </a:blip>
+          <a:srcRect/>
+          <a:stretch>
+            <a:fillRect/>
+          </a:stretch>
+        </p:blipFill>
+        <p:spPr bwMode="auto">
+          <a:xfrm>
+            <a:off x="6617653" y="1307929"/>
+            <a:ext cx="583981" cy="609153"/>
+          </a:xfrm>
+          <a:prstGeom prst="rect">
+            <a:avLst/>
+          </a:prstGeom>
+          <a:noFill/>
+          <a:extLst>
+            <a:ext uri="{909E8E84-426E-40DD-AFC4-6F175D3DCCD1}">
+              <a14:hiddenFill xmlns:a14="http://schemas.microsoft.com/office/drawing/2010/main">
+                <a:solidFill>
+                  <a:srgbClr val="FFFFFF"/>
+                </a:solidFill>
+              </a14:hiddenFill>
+            </a:ext>
+          </a:extLst>
+        </p:spPr>
+      </p:pic>
+      <p:pic>
+        <p:nvPicPr>
+          <p:cNvPr id="7" name="Picture 2" descr="Image result for python logo">
+            <a:extLst>
+              <a:ext uri="{FF2B5EF4-FFF2-40B4-BE49-F238E27FC236}">
+                <a16:creationId xmlns:a16="http://schemas.microsoft.com/office/drawing/2014/main" id="{DD36B25C-9FDD-4741-B51E-B20B5E31F3B5}"/>
+              </a:ext>
+            </a:extLst>
+          </p:cNvPr>
+          <p:cNvPicPr>
+            <a:picLocks noChangeAspect="1" noChangeArrowheads="1"/>
+          </p:cNvPicPr>
+          <p:nvPr/>
+        </p:nvPicPr>
+        <p:blipFill>
+          <a:blip r:embed="rId2">
+            <a:extLst>
+              <a:ext uri="{28A0092B-C50C-407E-A947-70E740481C1C}">
+                <a14:useLocalDpi xmlns:a14="http://schemas.microsoft.com/office/drawing/2010/main" val="0"/>
+              </a:ext>
+            </a:extLst>
+          </a:blip>
+          <a:srcRect/>
+          <a:stretch>
+            <a:fillRect/>
+          </a:stretch>
+        </p:blipFill>
+        <p:spPr bwMode="auto">
+          <a:xfrm>
+            <a:off x="6686050" y="4276266"/>
+            <a:ext cx="583981" cy="609153"/>
+          </a:xfrm>
+          <a:prstGeom prst="rect">
+            <a:avLst/>
+          </a:prstGeom>
+          <a:noFill/>
+          <a:extLst>
+            <a:ext uri="{909E8E84-426E-40DD-AFC4-6F175D3DCCD1}">
+              <a14:hiddenFill xmlns:a14="http://schemas.microsoft.com/office/drawing/2010/main">
+                <a:solidFill>
+                  <a:srgbClr val="FFFFFF"/>
+                </a:solidFill>
+              </a14:hiddenFill>
+            </a:ext>
+          </a:extLst>
+        </p:spPr>
+      </p:pic>
+      <p:pic>
+        <p:nvPicPr>
+          <p:cNvPr id="1030" name="Picture 6" descr="Host, run, and code Python in the cloud: PythonAnywhere">
+            <a:extLst>
+              <a:ext uri="{FF2B5EF4-FFF2-40B4-BE49-F238E27FC236}">
+                <a16:creationId xmlns:a16="http://schemas.microsoft.com/office/drawing/2014/main" id="{349E8E48-EFB9-46F5-84CC-DD51D9E29D43}"/>
+              </a:ext>
+            </a:extLst>
+          </p:cNvPr>
+          <p:cNvPicPr>
+            <a:picLocks noChangeAspect="1" noChangeArrowheads="1"/>
+          </p:cNvPicPr>
+          <p:nvPr/>
+        </p:nvPicPr>
+        <p:blipFill>
+          <a:blip r:embed="rId4">
+            <a:extLst>
+              <a:ext uri="{28A0092B-C50C-407E-A947-70E740481C1C}">
+                <a14:useLocalDpi xmlns:a14="http://schemas.microsoft.com/office/drawing/2010/main" val="0"/>
+              </a:ext>
+            </a:extLst>
+          </a:blip>
+          <a:srcRect/>
+          <a:stretch>
+            <a:fillRect/>
+          </a:stretch>
+        </p:blipFill>
+        <p:spPr bwMode="auto">
+          <a:xfrm>
+            <a:off x="5804009" y="759536"/>
+            <a:ext cx="3845472" cy="480684"/>
+          </a:xfrm>
+          <a:prstGeom prst="rect">
+            <a:avLst/>
+          </a:prstGeom>
+          <a:noFill/>
+          <a:extLst>
+            <a:ext uri="{909E8E84-426E-40DD-AFC4-6F175D3DCCD1}">
+              <a14:hiddenFill xmlns:a14="http://schemas.microsoft.com/office/drawing/2010/main">
+                <a:solidFill>
+                  <a:srgbClr val="FFFFFF"/>
+                </a:solidFill>
+              </a14:hiddenFill>
+            </a:ext>
+          </a:extLst>
+        </p:spPr>
+      </p:pic>
+      <p:pic>
+        <p:nvPicPr>
+          <p:cNvPr id="1032" name="Picture 8" descr="Brand • Streamlit">
+            <a:extLst>
+              <a:ext uri="{FF2B5EF4-FFF2-40B4-BE49-F238E27FC236}">
+                <a16:creationId xmlns:a16="http://schemas.microsoft.com/office/drawing/2014/main" id="{43047C72-328C-4BD4-ADFF-B03E381E8036}"/>
+              </a:ext>
+            </a:extLst>
+          </p:cNvPr>
+          <p:cNvPicPr>
+            <a:picLocks noChangeAspect="1" noChangeArrowheads="1"/>
+          </p:cNvPicPr>
+          <p:nvPr/>
+        </p:nvPicPr>
+        <p:blipFill>
+          <a:blip r:embed="rId5">
+            <a:extLst>
+              <a:ext uri="{28A0092B-C50C-407E-A947-70E740481C1C}">
+                <a14:useLocalDpi xmlns:a14="http://schemas.microsoft.com/office/drawing/2010/main" val="0"/>
+              </a:ext>
+            </a:extLst>
+          </a:blip>
+          <a:srcRect/>
+          <a:stretch>
+            <a:fillRect/>
+          </a:stretch>
+        </p:blipFill>
+        <p:spPr bwMode="auto">
+          <a:xfrm>
+            <a:off x="5635843" y="5068611"/>
+            <a:ext cx="2638426" cy="730832"/>
+          </a:xfrm>
+          <a:prstGeom prst="rect">
+            <a:avLst/>
+          </a:prstGeom>
+          <a:noFill/>
+          <a:extLst>
+            <a:ext uri="{909E8E84-426E-40DD-AFC4-6F175D3DCCD1}">
+              <a14:hiddenFill xmlns:a14="http://schemas.microsoft.com/office/drawing/2010/main">
+                <a:solidFill>
+                  <a:srgbClr val="FFFFFF"/>
+                </a:solidFill>
+              </a14:hiddenFill>
+            </a:ext>
+          </a:extLst>
+        </p:spPr>
+      </p:pic>
+      <p:sp>
+        <p:nvSpPr>
+          <p:cNvPr id="11" name="Rectangle: Rounded Corners 10">
+            <a:extLst>
+              <a:ext uri="{FF2B5EF4-FFF2-40B4-BE49-F238E27FC236}">
+                <a16:creationId xmlns:a16="http://schemas.microsoft.com/office/drawing/2014/main" id="{52662BD9-BDDF-4703-8E35-D1D1BC06E719}"/>
+              </a:ext>
+            </a:extLst>
+          </p:cNvPr>
+          <p:cNvSpPr/>
+          <p:nvPr/>
+        </p:nvSpPr>
+        <p:spPr>
+          <a:xfrm>
+            <a:off x="5465379" y="4143703"/>
+            <a:ext cx="4813738" cy="1660635"/>
+          </a:xfrm>
+          <a:custGeom>
+            <a:avLst/>
+            <a:gdLst>
+              <a:gd name="connsiteX0" fmla="*/ 0 w 4813738"/>
+              <a:gd name="connsiteY0" fmla="*/ 276778 h 1660635"/>
+              <a:gd name="connsiteX1" fmla="*/ 276778 w 4813738"/>
+              <a:gd name="connsiteY1" fmla="*/ 0 h 1660635"/>
+              <a:gd name="connsiteX2" fmla="*/ 766699 w 4813738"/>
+              <a:gd name="connsiteY2" fmla="*/ 0 h 1660635"/>
+              <a:gd name="connsiteX3" fmla="*/ 1214018 w 4813738"/>
+              <a:gd name="connsiteY3" fmla="*/ 0 h 1660635"/>
+              <a:gd name="connsiteX4" fmla="*/ 1831744 w 4813738"/>
+              <a:gd name="connsiteY4" fmla="*/ 0 h 1660635"/>
+              <a:gd name="connsiteX5" fmla="*/ 2236462 w 4813738"/>
+              <a:gd name="connsiteY5" fmla="*/ 0 h 1660635"/>
+              <a:gd name="connsiteX6" fmla="*/ 2811586 w 4813738"/>
+              <a:gd name="connsiteY6" fmla="*/ 0 h 1660635"/>
+              <a:gd name="connsiteX7" fmla="*/ 3301507 w 4813738"/>
+              <a:gd name="connsiteY7" fmla="*/ 0 h 1660635"/>
+              <a:gd name="connsiteX8" fmla="*/ 3876632 w 4813738"/>
+              <a:gd name="connsiteY8" fmla="*/ 0 h 1660635"/>
+              <a:gd name="connsiteX9" fmla="*/ 4536960 w 4813738"/>
+              <a:gd name="connsiteY9" fmla="*/ 0 h 1660635"/>
+              <a:gd name="connsiteX10" fmla="*/ 4813738 w 4813738"/>
+              <a:gd name="connsiteY10" fmla="*/ 276778 h 1660635"/>
+              <a:gd name="connsiteX11" fmla="*/ 4813738 w 4813738"/>
+              <a:gd name="connsiteY11" fmla="*/ 797105 h 1660635"/>
+              <a:gd name="connsiteX12" fmla="*/ 4813738 w 4813738"/>
+              <a:gd name="connsiteY12" fmla="*/ 1383857 h 1660635"/>
+              <a:gd name="connsiteX13" fmla="*/ 4536960 w 4813738"/>
+              <a:gd name="connsiteY13" fmla="*/ 1660635 h 1660635"/>
+              <a:gd name="connsiteX14" fmla="*/ 4089641 w 4813738"/>
+              <a:gd name="connsiteY14" fmla="*/ 1660635 h 1660635"/>
+              <a:gd name="connsiteX15" fmla="*/ 3514516 w 4813738"/>
+              <a:gd name="connsiteY15" fmla="*/ 1660635 h 1660635"/>
+              <a:gd name="connsiteX16" fmla="*/ 3067197 w 4813738"/>
+              <a:gd name="connsiteY16" fmla="*/ 1660635 h 1660635"/>
+              <a:gd name="connsiteX17" fmla="*/ 2449471 w 4813738"/>
+              <a:gd name="connsiteY17" fmla="*/ 1660635 h 1660635"/>
+              <a:gd name="connsiteX18" fmla="*/ 1874346 w 4813738"/>
+              <a:gd name="connsiteY18" fmla="*/ 1660635 h 1660635"/>
+              <a:gd name="connsiteX19" fmla="*/ 1256620 w 4813738"/>
+              <a:gd name="connsiteY19" fmla="*/ 1660635 h 1660635"/>
+              <a:gd name="connsiteX20" fmla="*/ 851903 w 4813738"/>
+              <a:gd name="connsiteY20" fmla="*/ 1660635 h 1660635"/>
+              <a:gd name="connsiteX21" fmla="*/ 276778 w 4813738"/>
+              <a:gd name="connsiteY21" fmla="*/ 1660635 h 1660635"/>
+              <a:gd name="connsiteX22" fmla="*/ 0 w 4813738"/>
+              <a:gd name="connsiteY22" fmla="*/ 1383857 h 1660635"/>
+              <a:gd name="connsiteX23" fmla="*/ 0 w 4813738"/>
+              <a:gd name="connsiteY23" fmla="*/ 863530 h 1660635"/>
+              <a:gd name="connsiteX24" fmla="*/ 0 w 4813738"/>
+              <a:gd name="connsiteY24" fmla="*/ 276778 h 1660635"/>
+            </a:gdLst>
+            <a:ahLst/>
+            <a:cxnLst>
+              <a:cxn ang="0">
+                <a:pos x="connsiteX0" y="connsiteY0"/>
+              </a:cxn>
+              <a:cxn ang="0">
+                <a:pos x="connsiteX1" y="connsiteY1"/>
+              </a:cxn>
+              <a:cxn ang="0">
+                <a:pos x="connsiteX2" y="connsiteY2"/>
+              </a:cxn>
+              <a:cxn ang="0">
+                <a:pos x="connsiteX3" y="connsiteY3"/>
+              </a:cxn>
+              <a:cxn ang="0">
+                <a:pos x="connsiteX4" y="connsiteY4"/>
+              </a:cxn>
+              <a:cxn ang="0">
+                <a:pos x="connsiteX5" y="connsiteY5"/>
+              </a:cxn>
+              <a:cxn ang="0">
+                <a:pos x="connsiteX6" y="connsiteY6"/>
+              </a:cxn>
+              <a:cxn ang="0">
+                <a:pos x="connsiteX7" y="connsiteY7"/>
+              </a:cxn>
+              <a:cxn ang="0">
+                <a:pos x="connsiteX8" y="connsiteY8"/>
+              </a:cxn>
+              <a:cxn ang="0">
+                <a:pos x="connsiteX9" y="connsiteY9"/>
+              </a:cxn>
+              <a:cxn ang="0">
+                <a:pos x="connsiteX10" y="connsiteY10"/>
+              </a:cxn>
+              <a:cxn ang="0">
+                <a:pos x="connsiteX11" y="connsiteY11"/>
+              </a:cxn>
+              <a:cxn ang="0">
+                <a:pos x="connsiteX12" y="connsiteY12"/>
+              </a:cxn>
+              <a:cxn ang="0">
+                <a:pos x="connsiteX13" y="connsiteY13"/>
+              </a:cxn>
+              <a:cxn ang="0">
+                <a:pos x="connsiteX14" y="connsiteY14"/>
+              </a:cxn>
+              <a:cxn ang="0">
+                <a:pos x="connsiteX15" y="connsiteY15"/>
+              </a:cxn>
+              <a:cxn ang="0">
+                <a:pos x="connsiteX16" y="connsiteY16"/>
+              </a:cxn>
+              <a:cxn ang="0">
+                <a:pos x="connsiteX17" y="connsiteY17"/>
+              </a:cxn>
+              <a:cxn ang="0">
+                <a:pos x="connsiteX18" y="connsiteY18"/>
+              </a:cxn>
+              <a:cxn ang="0">
+                <a:pos x="connsiteX19" y="connsiteY19"/>
+              </a:cxn>
+              <a:cxn ang="0">
+                <a:pos x="connsiteX20" y="connsiteY20"/>
+              </a:cxn>
+              <a:cxn ang="0">
+                <a:pos x="connsiteX21" y="connsiteY21"/>
+              </a:cxn>
+              <a:cxn ang="0">
+                <a:pos x="connsiteX22" y="connsiteY22"/>
+              </a:cxn>
+              <a:cxn ang="0">
+                <a:pos x="connsiteX23" y="connsiteY23"/>
+              </a:cxn>
+              <a:cxn ang="0">
+                <a:pos x="connsiteX24" y="connsiteY24"/>
+              </a:cxn>
+            </a:cxnLst>
+            <a:rect l="l" t="t" r="r" b="b"/>
+            <a:pathLst>
+              <a:path w="4813738" h="1660635" extrusionOk="0">
+                <a:moveTo>
+                  <a:pt x="0" y="276778"/>
+                </a:moveTo>
+                <a:cubicBezTo>
+                  <a:pt x="30958" y="106570"/>
+                  <a:pt x="131532" y="1854"/>
+                  <a:pt x="276778" y="0"/>
+                </a:cubicBezTo>
+                <a:cubicBezTo>
+                  <a:pt x="470969" y="-30471"/>
+                  <a:pt x="629432" y="3144"/>
+                  <a:pt x="766699" y="0"/>
+                </a:cubicBezTo>
+                <a:cubicBezTo>
+                  <a:pt x="903966" y="-3144"/>
+                  <a:pt x="1031685" y="17169"/>
+                  <a:pt x="1214018" y="0"/>
+                </a:cubicBezTo>
+                <a:cubicBezTo>
+                  <a:pt x="1396351" y="-17169"/>
+                  <a:pt x="1663491" y="68278"/>
+                  <a:pt x="1831744" y="0"/>
+                </a:cubicBezTo>
+                <a:cubicBezTo>
+                  <a:pt x="1999997" y="-68278"/>
+                  <a:pt x="2062477" y="17227"/>
+                  <a:pt x="2236462" y="0"/>
+                </a:cubicBezTo>
+                <a:cubicBezTo>
+                  <a:pt x="2410447" y="-17227"/>
+                  <a:pt x="2559636" y="57795"/>
+                  <a:pt x="2811586" y="0"/>
+                </a:cubicBezTo>
+                <a:cubicBezTo>
+                  <a:pt x="3063536" y="-57795"/>
+                  <a:pt x="3128784" y="9736"/>
+                  <a:pt x="3301507" y="0"/>
+                </a:cubicBezTo>
+                <a:cubicBezTo>
+                  <a:pt x="3474230" y="-9736"/>
+                  <a:pt x="3690224" y="43416"/>
+                  <a:pt x="3876632" y="0"/>
+                </a:cubicBezTo>
+                <a:cubicBezTo>
+                  <a:pt x="4063040" y="-43416"/>
+                  <a:pt x="4221775" y="3528"/>
+                  <a:pt x="4536960" y="0"/>
+                </a:cubicBezTo>
+                <a:cubicBezTo>
+                  <a:pt x="4698987" y="13"/>
+                  <a:pt x="4814920" y="139111"/>
+                  <a:pt x="4813738" y="276778"/>
+                </a:cubicBezTo>
+                <a:cubicBezTo>
+                  <a:pt x="4867813" y="428230"/>
+                  <a:pt x="4791183" y="568287"/>
+                  <a:pt x="4813738" y="797105"/>
+                </a:cubicBezTo>
+                <a:cubicBezTo>
+                  <a:pt x="4836293" y="1025923"/>
+                  <a:pt x="4744023" y="1188467"/>
+                  <a:pt x="4813738" y="1383857"/>
+                </a:cubicBezTo>
+                <a:cubicBezTo>
+                  <a:pt x="4816609" y="1555678"/>
+                  <a:pt x="4681010" y="1654551"/>
+                  <a:pt x="4536960" y="1660635"/>
+                </a:cubicBezTo>
+                <a:cubicBezTo>
+                  <a:pt x="4333523" y="1661115"/>
+                  <a:pt x="4271566" y="1641513"/>
+                  <a:pt x="4089641" y="1660635"/>
+                </a:cubicBezTo>
+                <a:cubicBezTo>
+                  <a:pt x="3907716" y="1679757"/>
+                  <a:pt x="3715238" y="1604078"/>
+                  <a:pt x="3514516" y="1660635"/>
+                </a:cubicBezTo>
+                <a:cubicBezTo>
+                  <a:pt x="3313795" y="1717192"/>
+                  <a:pt x="3225452" y="1630523"/>
+                  <a:pt x="3067197" y="1660635"/>
+                </a:cubicBezTo>
+                <a:cubicBezTo>
+                  <a:pt x="2908942" y="1690747"/>
+                  <a:pt x="2618799" y="1622129"/>
+                  <a:pt x="2449471" y="1660635"/>
+                </a:cubicBezTo>
+                <a:cubicBezTo>
+                  <a:pt x="2280143" y="1699141"/>
+                  <a:pt x="2148387" y="1624580"/>
+                  <a:pt x="1874346" y="1660635"/>
+                </a:cubicBezTo>
+                <a:cubicBezTo>
+                  <a:pt x="1600305" y="1696690"/>
+                  <a:pt x="1449969" y="1608575"/>
+                  <a:pt x="1256620" y="1660635"/>
+                </a:cubicBezTo>
+                <a:cubicBezTo>
+                  <a:pt x="1063271" y="1712695"/>
+                  <a:pt x="1009175" y="1642516"/>
+                  <a:pt x="851903" y="1660635"/>
+                </a:cubicBezTo>
+                <a:cubicBezTo>
+                  <a:pt x="694631" y="1678754"/>
+                  <a:pt x="496359" y="1647860"/>
+                  <a:pt x="276778" y="1660635"/>
+                </a:cubicBezTo>
+                <a:cubicBezTo>
+                  <a:pt x="151838" y="1675072"/>
+                  <a:pt x="15164" y="1521007"/>
+                  <a:pt x="0" y="1383857"/>
+                </a:cubicBezTo>
+                <a:cubicBezTo>
+                  <a:pt x="-7865" y="1219649"/>
+                  <a:pt x="28692" y="1001855"/>
+                  <a:pt x="0" y="863530"/>
+                </a:cubicBezTo>
+                <a:cubicBezTo>
+                  <a:pt x="-28692" y="725205"/>
+                  <a:pt x="61101" y="497585"/>
+                  <a:pt x="0" y="276778"/>
+                </a:cubicBezTo>
+                <a:close/>
+              </a:path>
+            </a:pathLst>
+          </a:custGeom>
+          <a:noFill/>
+          <a:ln w="19050">
+            <a:solidFill>
+              <a:srgbClr val="002060"/>
+            </a:solidFill>
+            <a:prstDash val="lgDash"/>
+            <a:extLst>
+              <a:ext uri="{C807C97D-BFC1-408E-A445-0C87EB9F89A2}">
+                <ask:lineSketchStyleProps xmlns:ask="http://schemas.microsoft.com/office/drawing/2018/sketchyshapes" sd="2842844309">
+                  <a:prstGeom prst="roundRect">
+                    <a:avLst/>
+                  </a:prstGeom>
+                  <ask:type>
+                    <ask:lineSketchScribble/>
+                  </ask:type>
+                </ask:lineSketchStyleProps>
+              </a:ext>
+            </a:extLst>
+          </a:ln>
+        </p:spPr>
+        <p:style>
+          <a:lnRef idx="2">
+            <a:schemeClr val="accent1">
+              <a:shade val="50000"/>
+            </a:schemeClr>
+          </a:lnRef>
+          <a:fillRef idx="1">
+            <a:schemeClr val="accent1"/>
+          </a:fillRef>
+          <a:effectRef idx="0">
+            <a:schemeClr val="accent1"/>
+          </a:effectRef>
+          <a:fontRef idx="minor">
+            <a:schemeClr val="lt1"/>
+          </a:fontRef>
+        </p:style>
+        <p:txBody>
+          <a:bodyPr rtlCol="0" anchor="ctr"/>
+          <a:lstStyle/>
+          <a:p>
+            <a:pPr algn="ctr"/>
+            <a:endParaRPr lang="en-US"/>
+          </a:p>
+        </p:txBody>
+      </p:sp>
+      <p:pic>
+        <p:nvPicPr>
+          <p:cNvPr id="8" name="Graphic 7" descr="Office worker male with solid fill">
+            <a:extLst>
+              <a:ext uri="{FF2B5EF4-FFF2-40B4-BE49-F238E27FC236}">
+                <a16:creationId xmlns:a16="http://schemas.microsoft.com/office/drawing/2014/main" id="{51FD0DDD-BFFF-4972-9B84-A0CE8518A5BC}"/>
+              </a:ext>
+            </a:extLst>
+          </p:cNvPr>
+          <p:cNvPicPr>
+            <a:picLocks noChangeAspect="1"/>
+          </p:cNvPicPr>
+          <p:nvPr/>
+        </p:nvPicPr>
+        <p:blipFill>
+          <a:blip r:embed="rId6">
+            <a:extLst>
+              <a:ext uri="{28A0092B-C50C-407E-A947-70E740481C1C}">
+                <a14:useLocalDpi xmlns:a14="http://schemas.microsoft.com/office/drawing/2010/main" val="0"/>
+              </a:ext>
+              <a:ext uri="{96DAC541-7B7A-43D3-8B79-37D633B846F1}">
+                <asvg:svgBlip xmlns:asvg="http://schemas.microsoft.com/office/drawing/2016/SVG/main" r:embed="rId7"/>
+              </a:ext>
+            </a:extLst>
+          </a:blip>
+          <a:stretch>
+            <a:fillRect/>
+          </a:stretch>
+        </p:blipFill>
+        <p:spPr>
+          <a:xfrm>
+            <a:off x="10463048" y="2710518"/>
+            <a:ext cx="914400" cy="914400"/>
+          </a:xfrm>
+          <a:prstGeom prst="rect">
+            <a:avLst/>
+          </a:prstGeom>
+        </p:spPr>
+      </p:pic>
+      <p:sp>
+        <p:nvSpPr>
+          <p:cNvPr id="9" name="TextBox 8">
+            <a:extLst>
+              <a:ext uri="{FF2B5EF4-FFF2-40B4-BE49-F238E27FC236}">
+                <a16:creationId xmlns:a16="http://schemas.microsoft.com/office/drawing/2014/main" id="{A1777212-253A-4C33-8474-786441E17F28}"/>
+              </a:ext>
+            </a:extLst>
+          </p:cNvPr>
+          <p:cNvSpPr txBox="1"/>
+          <p:nvPr/>
+        </p:nvSpPr>
+        <p:spPr>
+          <a:xfrm flipH="1">
+            <a:off x="1121649" y="3438359"/>
+            <a:ext cx="1103587" cy="338554"/>
+          </a:xfrm>
+          <a:prstGeom prst="rect">
+            <a:avLst/>
+          </a:prstGeom>
+          <a:noFill/>
+        </p:spPr>
+        <p:txBody>
+          <a:bodyPr wrap="square" rtlCol="0">
+            <a:spAutoFit/>
+          </a:bodyPr>
+          <a:lstStyle/>
+          <a:p>
+            <a:r>
+              <a:rPr lang="en-US" sz="1600" b="1" dirty="0">
+                <a:latin typeface="Leelawadee" panose="020B0502040204020203" pitchFamily="34" charset="-34"/>
+                <a:cs typeface="Leelawadee" panose="020B0502040204020203" pitchFamily="34" charset="-34"/>
+                <a:hlinkClick r:id="rId8"/>
+              </a:rPr>
+              <a:t>model</a:t>
+            </a:r>
+            <a:r>
+              <a:rPr lang="en-US" sz="1600" b="1" dirty="0">
+                <a:latin typeface="Leelawadee" panose="020B0502040204020203" pitchFamily="34" charset="-34"/>
+                <a:cs typeface="Leelawadee" panose="020B0502040204020203" pitchFamily="34" charset="-34"/>
+              </a:rPr>
+              <a:t>.py</a:t>
+            </a:r>
+          </a:p>
+        </p:txBody>
+      </p:sp>
+      <p:sp>
+        <p:nvSpPr>
+          <p:cNvPr id="15" name="TextBox 14">
+            <a:extLst>
+              <a:ext uri="{FF2B5EF4-FFF2-40B4-BE49-F238E27FC236}">
+                <a16:creationId xmlns:a16="http://schemas.microsoft.com/office/drawing/2014/main" id="{B60FFF8A-F620-4706-BC71-1CAC90C32BC1}"/>
+              </a:ext>
+            </a:extLst>
+          </p:cNvPr>
+          <p:cNvSpPr txBox="1"/>
+          <p:nvPr/>
+        </p:nvSpPr>
+        <p:spPr>
+          <a:xfrm flipH="1">
+            <a:off x="6536525" y="1906013"/>
+            <a:ext cx="1103587" cy="338554"/>
+          </a:xfrm>
+          <a:prstGeom prst="rect">
+            <a:avLst/>
+          </a:prstGeom>
+          <a:noFill/>
+        </p:spPr>
+        <p:txBody>
+          <a:bodyPr wrap="square" rtlCol="0">
+            <a:spAutoFit/>
+          </a:bodyPr>
+          <a:lstStyle/>
+          <a:p>
+            <a:r>
+              <a:rPr lang="en-US" sz="1600" b="1" dirty="0">
+                <a:latin typeface="Leelawadee" panose="020B0502040204020203" pitchFamily="34" charset="-34"/>
+                <a:cs typeface="Leelawadee" panose="020B0502040204020203" pitchFamily="34" charset="-34"/>
+              </a:rPr>
+              <a:t>api</a:t>
+            </a:r>
+            <a:r>
+              <a:rPr lang="en-US" sz="1600" b="1" dirty="0">
+                <a:latin typeface="Leelawadee" panose="020B0502040204020203" pitchFamily="34" charset="-34"/>
+                <a:cs typeface="Leelawadee" panose="020B0502040204020203" pitchFamily="34" charset="-34"/>
+                <a:hlinkClick r:id="rId9"/>
+              </a:rPr>
+              <a:t>.</a:t>
+            </a:r>
+            <a:r>
+              <a:rPr lang="en-US" sz="1600" b="1" dirty="0">
+                <a:latin typeface="Leelawadee" panose="020B0502040204020203" pitchFamily="34" charset="-34"/>
+                <a:cs typeface="Leelawadee" panose="020B0502040204020203" pitchFamily="34" charset="-34"/>
+              </a:rPr>
+              <a:t>py</a:t>
+            </a:r>
+          </a:p>
+        </p:txBody>
+      </p:sp>
+      <p:sp>
+        <p:nvSpPr>
+          <p:cNvPr id="16" name="TextBox 15">
+            <a:extLst>
+              <a:ext uri="{FF2B5EF4-FFF2-40B4-BE49-F238E27FC236}">
+                <a16:creationId xmlns:a16="http://schemas.microsoft.com/office/drawing/2014/main" id="{95593AC1-1F95-41B4-A2D0-B30429F0077B}"/>
+              </a:ext>
+            </a:extLst>
+          </p:cNvPr>
+          <p:cNvSpPr txBox="1"/>
+          <p:nvPr/>
+        </p:nvSpPr>
+        <p:spPr>
+          <a:xfrm flipH="1">
+            <a:off x="6571091" y="4863281"/>
+            <a:ext cx="1103587" cy="338554"/>
+          </a:xfrm>
+          <a:prstGeom prst="rect">
+            <a:avLst/>
+          </a:prstGeom>
+          <a:noFill/>
+        </p:spPr>
+        <p:txBody>
+          <a:bodyPr wrap="square" rtlCol="0">
+            <a:spAutoFit/>
+          </a:bodyPr>
+          <a:lstStyle/>
+          <a:p>
+            <a:r>
+              <a:rPr lang="en-US" sz="1600" b="1" dirty="0">
+                <a:latin typeface="Leelawadee" panose="020B0502040204020203" pitchFamily="34" charset="-34"/>
+                <a:cs typeface="Leelawadee" panose="020B0502040204020203" pitchFamily="34" charset="-34"/>
+                <a:hlinkClick r:id="rId10"/>
+              </a:rPr>
+              <a:t>app</a:t>
+            </a:r>
+            <a:r>
+              <a:rPr lang="en-US" sz="1600" b="1" dirty="0">
+                <a:latin typeface="Leelawadee" panose="020B0502040204020203" pitchFamily="34" charset="-34"/>
+                <a:cs typeface="Leelawadee" panose="020B0502040204020203" pitchFamily="34" charset="-34"/>
+              </a:rPr>
+              <a:t>.py</a:t>
+            </a:r>
+          </a:p>
+        </p:txBody>
+      </p:sp>
+      <p:pic>
+        <p:nvPicPr>
+          <p:cNvPr id="17" name="Picture 4" descr="PKL File Extension | Associated Programs | Free Online Tools - FileProInfo">
+            <a:extLst>
+              <a:ext uri="{FF2B5EF4-FFF2-40B4-BE49-F238E27FC236}">
+                <a16:creationId xmlns:a16="http://schemas.microsoft.com/office/drawing/2014/main" id="{F1420CD2-9A83-47F1-9F6C-7FF89A9E539A}"/>
+              </a:ext>
+            </a:extLst>
+          </p:cNvPr>
+          <p:cNvPicPr>
+            <a:picLocks noChangeAspect="1" noChangeArrowheads="1"/>
+          </p:cNvPicPr>
+          <p:nvPr/>
+        </p:nvPicPr>
+        <p:blipFill>
+          <a:blip r:embed="rId3">
+            <a:extLst>
+              <a:ext uri="{28A0092B-C50C-407E-A947-70E740481C1C}">
+                <a14:useLocalDpi xmlns:a14="http://schemas.microsoft.com/office/drawing/2010/main" val="0"/>
+              </a:ext>
+            </a:extLst>
+          </a:blip>
+          <a:srcRect/>
+          <a:stretch>
+            <a:fillRect/>
+          </a:stretch>
+        </p:blipFill>
+        <p:spPr bwMode="auto">
+          <a:xfrm>
+            <a:off x="5823271" y="1372756"/>
+            <a:ext cx="596618" cy="649342"/>
+          </a:xfrm>
+          <a:prstGeom prst="rect">
+            <a:avLst/>
+          </a:prstGeom>
+          <a:noFill/>
+          <a:extLst>
+            <a:ext uri="{909E8E84-426E-40DD-AFC4-6F175D3DCCD1}">
+              <a14:hiddenFill xmlns:a14="http://schemas.microsoft.com/office/drawing/2010/main">
+                <a:solidFill>
+                  <a:srgbClr val="FFFFFF"/>
+                </a:solidFill>
+              </a14:hiddenFill>
+            </a:ext>
+          </a:extLst>
+        </p:spPr>
+      </p:pic>
+      <p:pic>
+        <p:nvPicPr>
+          <p:cNvPr id="18" name="Picture 4" descr="PKL File Extension | Associated Programs | Free Online Tools - FileProInfo">
+            <a:extLst>
+              <a:ext uri="{FF2B5EF4-FFF2-40B4-BE49-F238E27FC236}">
+                <a16:creationId xmlns:a16="http://schemas.microsoft.com/office/drawing/2014/main" id="{049523A0-59F1-4678-8F2E-9495E084C45F}"/>
+              </a:ext>
+            </a:extLst>
+          </p:cNvPr>
+          <p:cNvPicPr>
+            <a:picLocks noChangeAspect="1" noChangeArrowheads="1"/>
+          </p:cNvPicPr>
+          <p:nvPr/>
+        </p:nvPicPr>
+        <p:blipFill>
+          <a:blip r:embed="rId3">
+            <a:extLst>
+              <a:ext uri="{28A0092B-C50C-407E-A947-70E740481C1C}">
+                <a14:useLocalDpi xmlns:a14="http://schemas.microsoft.com/office/drawing/2010/main" val="0"/>
+              </a:ext>
+            </a:extLst>
+          </a:blip>
+          <a:srcRect/>
+          <a:stretch>
+            <a:fillRect/>
+          </a:stretch>
+        </p:blipFill>
+        <p:spPr bwMode="auto">
+          <a:xfrm>
+            <a:off x="5825029" y="4276266"/>
+            <a:ext cx="596618" cy="649342"/>
+          </a:xfrm>
+          <a:prstGeom prst="rect">
+            <a:avLst/>
+          </a:prstGeom>
+          <a:noFill/>
+          <a:extLst>
+            <a:ext uri="{909E8E84-426E-40DD-AFC4-6F175D3DCCD1}">
+              <a14:hiddenFill xmlns:a14="http://schemas.microsoft.com/office/drawing/2010/main">
+                <a:solidFill>
+                  <a:srgbClr val="FFFFFF"/>
+                </a:solidFill>
+              </a14:hiddenFill>
+            </a:ext>
+          </a:extLst>
+        </p:spPr>
+      </p:pic>
+      <p:cxnSp>
+        <p:nvCxnSpPr>
+          <p:cNvPr id="12" name="Straight Arrow Connector 11">
+            <a:extLst>
+              <a:ext uri="{FF2B5EF4-FFF2-40B4-BE49-F238E27FC236}">
+                <a16:creationId xmlns:a16="http://schemas.microsoft.com/office/drawing/2014/main" id="{63666FD7-0E1D-4E9E-A8BA-D974DFF82188}"/>
+              </a:ext>
+            </a:extLst>
+          </p:cNvPr>
+          <p:cNvCxnSpPr>
+            <a:stCxn id="1026" idx="3"/>
+            <a:endCxn id="1028" idx="1"/>
+          </p:cNvCxnSpPr>
+          <p:nvPr/>
+        </p:nvCxnSpPr>
+        <p:spPr>
+          <a:xfrm flipV="1">
+            <a:off x="1965434" y="3147624"/>
+            <a:ext cx="1719266" cy="20095"/>
+          </a:xfrm>
+          <a:prstGeom prst="straightConnector1">
+            <a:avLst/>
+          </a:prstGeom>
+          <a:ln w="107950">
+            <a:solidFill>
+              <a:schemeClr val="tx1">
+                <a:lumMod val="75000"/>
+                <a:lumOff val="25000"/>
+              </a:schemeClr>
+            </a:solidFill>
+            <a:tailEnd type="triangle"/>
+          </a:ln>
+        </p:spPr>
+        <p:style>
+          <a:lnRef idx="1">
+            <a:schemeClr val="accent1"/>
+          </a:lnRef>
+          <a:fillRef idx="0">
+            <a:schemeClr val="accent1"/>
+          </a:fillRef>
+          <a:effectRef idx="0">
+            <a:schemeClr val="accent1"/>
+          </a:effectRef>
+          <a:fontRef idx="minor">
+            <a:schemeClr val="tx1"/>
+          </a:fontRef>
+        </p:style>
+      </p:cxnSp>
+      <p:cxnSp>
+        <p:nvCxnSpPr>
+          <p:cNvPr id="19" name="Connector: Elbow 18">
+            <a:extLst>
+              <a:ext uri="{FF2B5EF4-FFF2-40B4-BE49-F238E27FC236}">
+                <a16:creationId xmlns:a16="http://schemas.microsoft.com/office/drawing/2014/main" id="{680F210D-50E7-41FF-9758-7A22A6F35E07}"/>
+              </a:ext>
+            </a:extLst>
+          </p:cNvPr>
+          <p:cNvCxnSpPr>
+            <a:stCxn id="1028" idx="3"/>
+            <a:endCxn id="17" idx="2"/>
+          </p:cNvCxnSpPr>
+          <p:nvPr/>
+        </p:nvCxnSpPr>
+        <p:spPr>
+          <a:xfrm flipV="1">
+            <a:off x="4281318" y="2022098"/>
+            <a:ext cx="1840262" cy="1125526"/>
+          </a:xfrm>
+          <a:prstGeom prst="bentConnector2">
+            <a:avLst/>
+          </a:prstGeom>
+          <a:ln w="69850">
+            <a:solidFill>
+              <a:schemeClr val="tx1">
+                <a:lumMod val="50000"/>
+                <a:lumOff val="50000"/>
+              </a:schemeClr>
+            </a:solidFill>
+            <a:prstDash val="sysDot"/>
+            <a:tailEnd type="triangle"/>
+          </a:ln>
+        </p:spPr>
+        <p:style>
+          <a:lnRef idx="1">
+            <a:schemeClr val="accent1"/>
+          </a:lnRef>
+          <a:fillRef idx="0">
+            <a:schemeClr val="accent1"/>
+          </a:fillRef>
+          <a:effectRef idx="0">
+            <a:schemeClr val="accent1"/>
+          </a:effectRef>
+          <a:fontRef idx="minor">
+            <a:schemeClr val="tx1"/>
+          </a:fontRef>
+        </p:style>
+      </p:cxnSp>
+      <p:cxnSp>
+        <p:nvCxnSpPr>
+          <p:cNvPr id="21" name="Connector: Elbow 20">
+            <a:extLst>
+              <a:ext uri="{FF2B5EF4-FFF2-40B4-BE49-F238E27FC236}">
+                <a16:creationId xmlns:a16="http://schemas.microsoft.com/office/drawing/2014/main" id="{E934DE17-AFBB-455C-B5AD-06DE8DC59DC7}"/>
+              </a:ext>
+            </a:extLst>
+          </p:cNvPr>
+          <p:cNvCxnSpPr>
+            <a:stCxn id="1028" idx="3"/>
+            <a:endCxn id="18" idx="0"/>
+          </p:cNvCxnSpPr>
+          <p:nvPr/>
+        </p:nvCxnSpPr>
+        <p:spPr>
+          <a:xfrm>
+            <a:off x="4281318" y="3147624"/>
+            <a:ext cx="1842020" cy="1128642"/>
+          </a:xfrm>
+          <a:prstGeom prst="bentConnector2">
+            <a:avLst/>
+          </a:prstGeom>
+          <a:ln w="69850">
+            <a:solidFill>
+              <a:schemeClr val="tx1">
+                <a:lumMod val="50000"/>
+                <a:lumOff val="50000"/>
+              </a:schemeClr>
+            </a:solidFill>
+            <a:prstDash val="sysDot"/>
+            <a:tailEnd type="triangle"/>
+          </a:ln>
+        </p:spPr>
+        <p:style>
+          <a:lnRef idx="1">
+            <a:schemeClr val="accent1"/>
+          </a:lnRef>
+          <a:fillRef idx="0">
+            <a:schemeClr val="accent1"/>
+          </a:fillRef>
+          <a:effectRef idx="0">
+            <a:schemeClr val="accent1"/>
+          </a:effectRef>
+          <a:fontRef idx="minor">
+            <a:schemeClr val="tx1"/>
+          </a:fontRef>
+        </p:style>
+      </p:cxnSp>
+      <p:sp>
+        <p:nvSpPr>
+          <p:cNvPr id="28" name="TextBox 27">
+            <a:extLst>
+              <a:ext uri="{FF2B5EF4-FFF2-40B4-BE49-F238E27FC236}">
+                <a16:creationId xmlns:a16="http://schemas.microsoft.com/office/drawing/2014/main" id="{AFD942F4-952E-4443-BC50-84416178CCDD}"/>
+              </a:ext>
+            </a:extLst>
+          </p:cNvPr>
+          <p:cNvSpPr txBox="1"/>
+          <p:nvPr/>
+        </p:nvSpPr>
+        <p:spPr>
+          <a:xfrm>
+            <a:off x="6325296" y="2410722"/>
+            <a:ext cx="5372718" cy="276999"/>
+          </a:xfrm>
+          <a:prstGeom prst="rect">
+            <a:avLst/>
+          </a:prstGeom>
+          <a:noFill/>
+        </p:spPr>
+        <p:txBody>
+          <a:bodyPr wrap="square">
+            <a:spAutoFit/>
+          </a:bodyPr>
+          <a:lstStyle/>
+          <a:p>
+            <a:r>
+              <a:rPr lang="en-US" sz="1200" b="1" dirty="0">
+                <a:solidFill>
+                  <a:srgbClr val="C9D1D9"/>
+                </a:solidFill>
+                <a:effectLst/>
+                <a:latin typeface="Leelawadee" panose="020B0502040204020203" pitchFamily="34" charset="-34"/>
+                <a:cs typeface="Leelawadee" panose="020B0502040204020203" pitchFamily="34" charset="-34"/>
+                <a:hlinkClick r:id="rId11"/>
+              </a:rPr>
+              <a:t>https://mudassarshaikh.pythonanywhere.com/predict</a:t>
+            </a:r>
+            <a:endParaRPr lang="en-US" sz="1200" b="1" dirty="0">
+              <a:latin typeface="Leelawadee" panose="020B0502040204020203" pitchFamily="34" charset="-34"/>
+              <a:cs typeface="Leelawadee" panose="020B0502040204020203" pitchFamily="34" charset="-34"/>
+            </a:endParaRPr>
+          </a:p>
+        </p:txBody>
+      </p:sp>
+      <p:sp>
+        <p:nvSpPr>
+          <p:cNvPr id="30" name="TextBox 29">
+            <a:extLst>
+              <a:ext uri="{FF2B5EF4-FFF2-40B4-BE49-F238E27FC236}">
+                <a16:creationId xmlns:a16="http://schemas.microsoft.com/office/drawing/2014/main" id="{315A7605-8BDE-4D9F-AF93-2C5BAF1D1B4B}"/>
+              </a:ext>
+            </a:extLst>
+          </p:cNvPr>
+          <p:cNvSpPr txBox="1"/>
+          <p:nvPr/>
+        </p:nvSpPr>
+        <p:spPr>
+          <a:xfrm>
+            <a:off x="6325296" y="3776913"/>
+            <a:ext cx="5372718" cy="276999"/>
+          </a:xfrm>
+          <a:prstGeom prst="rect">
+            <a:avLst/>
+          </a:prstGeom>
+          <a:noFill/>
+        </p:spPr>
+        <p:txBody>
+          <a:bodyPr wrap="square">
+            <a:spAutoFit/>
+          </a:bodyPr>
+          <a:lstStyle>
+            <a:defPPr>
+              <a:defRPr lang="en-US"/>
+            </a:defPPr>
+            <a:lvl1pPr>
+              <a:defRPr sz="1400" b="1">
+                <a:solidFill>
+                  <a:srgbClr val="C9D1D9"/>
+                </a:solidFill>
+                <a:effectLst/>
+                <a:latin typeface="Leelawadee" panose="020B0502040204020203" pitchFamily="34" charset="-34"/>
+                <a:cs typeface="Leelawadee" panose="020B0502040204020203" pitchFamily="34" charset="-34"/>
+              </a:defRPr>
+            </a:lvl1pPr>
+          </a:lstStyle>
+          <a:p>
+            <a:r>
+              <a:rPr lang="en-US" sz="1200" u="sng" dirty="0">
+                <a:solidFill>
+                  <a:srgbClr val="0070C0"/>
+                </a:solidFill>
+              </a:rPr>
+              <a:t>https://share.streamlit.io/mudassarmshaikh/upliftmodel/main/app.py</a:t>
+            </a:r>
+          </a:p>
+        </p:txBody>
+      </p:sp>
+      <p:cxnSp>
+        <p:nvCxnSpPr>
+          <p:cNvPr id="26" name="Connector: Elbow 25">
+            <a:extLst>
+              <a:ext uri="{FF2B5EF4-FFF2-40B4-BE49-F238E27FC236}">
+                <a16:creationId xmlns:a16="http://schemas.microsoft.com/office/drawing/2014/main" id="{9A46908D-3BFE-48B4-9E27-E08EF66B5ABE}"/>
+              </a:ext>
+            </a:extLst>
+          </p:cNvPr>
+          <p:cNvCxnSpPr>
+            <a:cxnSpLocks/>
+            <a:stCxn id="8" idx="1"/>
+            <a:endCxn id="28" idx="2"/>
+          </p:cNvCxnSpPr>
+          <p:nvPr/>
+        </p:nvCxnSpPr>
+        <p:spPr>
+          <a:xfrm rot="10800000">
+            <a:off x="9011656" y="2687722"/>
+            <a:ext cx="1451393" cy="479997"/>
+          </a:xfrm>
+          <a:prstGeom prst="bentConnector2">
+            <a:avLst/>
+          </a:prstGeom>
+          <a:ln>
+            <a:tailEnd type="triangle"/>
+          </a:ln>
+        </p:spPr>
+        <p:style>
+          <a:lnRef idx="1">
+            <a:schemeClr val="accent1"/>
+          </a:lnRef>
+          <a:fillRef idx="0">
+            <a:schemeClr val="accent1"/>
+          </a:fillRef>
+          <a:effectRef idx="0">
+            <a:schemeClr val="accent1"/>
+          </a:effectRef>
+          <a:fontRef idx="minor">
+            <a:schemeClr val="tx1"/>
+          </a:fontRef>
+        </p:style>
+      </p:cxnSp>
+      <p:cxnSp>
+        <p:nvCxnSpPr>
+          <p:cNvPr id="33" name="Connector: Elbow 32">
+            <a:extLst>
+              <a:ext uri="{FF2B5EF4-FFF2-40B4-BE49-F238E27FC236}">
+                <a16:creationId xmlns:a16="http://schemas.microsoft.com/office/drawing/2014/main" id="{9A30B3CB-06FF-4577-9C63-267209FD0388}"/>
+              </a:ext>
+            </a:extLst>
+          </p:cNvPr>
+          <p:cNvCxnSpPr>
+            <a:cxnSpLocks/>
+            <a:stCxn id="8" idx="1"/>
+            <a:endCxn id="30" idx="0"/>
+          </p:cNvCxnSpPr>
+          <p:nvPr/>
+        </p:nvCxnSpPr>
+        <p:spPr>
+          <a:xfrm rot="10800000" flipV="1">
+            <a:off x="9011656" y="3167717"/>
+            <a:ext cx="1451393" cy="609195"/>
+          </a:xfrm>
+          <a:prstGeom prst="bentConnector2">
+            <a:avLst/>
+          </a:prstGeom>
+          <a:ln>
+            <a:tailEnd type="triangle"/>
+          </a:ln>
+        </p:spPr>
+        <p:style>
+          <a:lnRef idx="1">
+            <a:schemeClr val="accent1"/>
+          </a:lnRef>
+          <a:fillRef idx="0">
+            <a:schemeClr val="accent1"/>
+          </a:fillRef>
+          <a:effectRef idx="0">
+            <a:schemeClr val="accent1"/>
+          </a:effectRef>
+          <a:fontRef idx="minor">
+            <a:schemeClr val="tx1"/>
+          </a:fontRef>
+        </p:style>
+      </p:cxnSp>
+      <p:pic>
+        <p:nvPicPr>
+          <p:cNvPr id="37" name="Graphic 36" descr="Internet with solid fill">
+            <a:extLst>
+              <a:ext uri="{FF2B5EF4-FFF2-40B4-BE49-F238E27FC236}">
+                <a16:creationId xmlns:a16="http://schemas.microsoft.com/office/drawing/2014/main" id="{D4D2E206-93BD-473B-9416-154204F1FA57}"/>
+              </a:ext>
+            </a:extLst>
+          </p:cNvPr>
+          <p:cNvPicPr>
+            <a:picLocks noChangeAspect="1"/>
+          </p:cNvPicPr>
+          <p:nvPr/>
+        </p:nvPicPr>
+        <p:blipFill>
+          <a:blip r:embed="rId12">
+            <a:extLst>
+              <a:ext uri="{28A0092B-C50C-407E-A947-70E740481C1C}">
+                <a14:useLocalDpi xmlns:a14="http://schemas.microsoft.com/office/drawing/2010/main" val="0"/>
+              </a:ext>
+              <a:ext uri="{96DAC541-7B7A-43D3-8B79-37D633B846F1}">
+                <asvg:svgBlip xmlns:asvg="http://schemas.microsoft.com/office/drawing/2016/SVG/main" r:embed="rId13"/>
+              </a:ext>
+            </a:extLst>
+          </a:blip>
+          <a:stretch>
+            <a:fillRect/>
+          </a:stretch>
+        </p:blipFill>
+        <p:spPr>
+          <a:xfrm>
+            <a:off x="9364717" y="2755415"/>
+            <a:ext cx="914400" cy="914400"/>
+          </a:xfrm>
+          <a:prstGeom prst="rect">
+            <a:avLst/>
+          </a:prstGeom>
+        </p:spPr>
+      </p:pic>
+      <p:cxnSp>
+        <p:nvCxnSpPr>
+          <p:cNvPr id="42" name="Connector: Elbow 41">
+            <a:extLst>
+              <a:ext uri="{FF2B5EF4-FFF2-40B4-BE49-F238E27FC236}">
+                <a16:creationId xmlns:a16="http://schemas.microsoft.com/office/drawing/2014/main" id="{B0E3374C-D656-408F-BE00-621BD27CF859}"/>
+              </a:ext>
+            </a:extLst>
+          </p:cNvPr>
+          <p:cNvCxnSpPr>
+            <a:cxnSpLocks/>
+            <a:stCxn id="28" idx="0"/>
+            <a:endCxn id="6" idx="3"/>
+          </p:cNvCxnSpPr>
+          <p:nvPr/>
+        </p:nvCxnSpPr>
+        <p:spPr>
+          <a:xfrm rot="16200000" flipV="1">
+            <a:off x="7707537" y="1106603"/>
+            <a:ext cx="798216" cy="1810021"/>
+          </a:xfrm>
+          <a:prstGeom prst="bentConnector2">
+            <a:avLst/>
+          </a:prstGeom>
+          <a:ln>
+            <a:tailEnd type="triangle"/>
+          </a:ln>
+        </p:spPr>
+        <p:style>
+          <a:lnRef idx="1">
+            <a:schemeClr val="accent1"/>
+          </a:lnRef>
+          <a:fillRef idx="0">
+            <a:schemeClr val="accent1"/>
+          </a:fillRef>
+          <a:effectRef idx="0">
+            <a:schemeClr val="accent1"/>
+          </a:effectRef>
+          <a:fontRef idx="minor">
+            <a:schemeClr val="tx1"/>
+          </a:fontRef>
+        </p:style>
+      </p:cxnSp>
+      <p:cxnSp>
+        <p:nvCxnSpPr>
+          <p:cNvPr id="48" name="Connector: Elbow 47">
+            <a:extLst>
+              <a:ext uri="{FF2B5EF4-FFF2-40B4-BE49-F238E27FC236}">
+                <a16:creationId xmlns:a16="http://schemas.microsoft.com/office/drawing/2014/main" id="{6E6CF9F2-61F9-4D5D-A934-B70EB643ACFE}"/>
+              </a:ext>
+            </a:extLst>
+          </p:cNvPr>
+          <p:cNvCxnSpPr>
+            <a:cxnSpLocks/>
+            <a:stCxn id="30" idx="2"/>
+            <a:endCxn id="7" idx="3"/>
+          </p:cNvCxnSpPr>
+          <p:nvPr/>
+        </p:nvCxnSpPr>
+        <p:spPr>
+          <a:xfrm rot="5400000">
+            <a:off x="7877378" y="3446565"/>
+            <a:ext cx="526931" cy="1741624"/>
+          </a:xfrm>
+          <a:prstGeom prst="bentConnector2">
+            <a:avLst/>
+          </a:prstGeom>
+          <a:ln>
+            <a:tailEnd type="triangle"/>
+          </a:ln>
+        </p:spPr>
+        <p:style>
+          <a:lnRef idx="1">
+            <a:schemeClr val="accent1"/>
+          </a:lnRef>
+          <a:fillRef idx="0">
+            <a:schemeClr val="accent1"/>
+          </a:fillRef>
+          <a:effectRef idx="0">
+            <a:schemeClr val="accent1"/>
+          </a:effectRef>
+          <a:fontRef idx="minor">
+            <a:schemeClr val="tx1"/>
+          </a:fontRef>
+        </p:style>
+      </p:cxnSp>
+      <p:sp>
+        <p:nvSpPr>
+          <p:cNvPr id="51" name="TextBox 50">
+            <a:hlinkClick r:id="rId14"/>
+            <a:extLst>
+              <a:ext uri="{FF2B5EF4-FFF2-40B4-BE49-F238E27FC236}">
+                <a16:creationId xmlns:a16="http://schemas.microsoft.com/office/drawing/2014/main" id="{51ABD6D3-2458-4C41-B738-FD0EBE3C7633}"/>
+              </a:ext>
+            </a:extLst>
+          </p:cNvPr>
+          <p:cNvSpPr txBox="1"/>
+          <p:nvPr/>
+        </p:nvSpPr>
+        <p:spPr>
+          <a:xfrm flipH="1">
+            <a:off x="3134622" y="3422366"/>
+            <a:ext cx="2117601" cy="338554"/>
+          </a:xfrm>
+          <a:prstGeom prst="rect">
+            <a:avLst/>
+          </a:prstGeom>
+          <a:noFill/>
+        </p:spPr>
+        <p:txBody>
+          <a:bodyPr wrap="square" rtlCol="0">
+            <a:spAutoFit/>
+          </a:bodyPr>
+          <a:lstStyle/>
+          <a:p>
+            <a:r>
+              <a:rPr lang="en-US" sz="1600" b="1" dirty="0" err="1">
+                <a:latin typeface="Leelawadee" panose="020B0502040204020203" pitchFamily="34" charset="-34"/>
+                <a:cs typeface="Leelawadee" panose="020B0502040204020203" pitchFamily="34" charset="-34"/>
+              </a:rPr>
+              <a:t>uplift_model.joblib</a:t>
+            </a:r>
+            <a:endParaRPr lang="en-US" sz="1600" b="1" dirty="0">
+              <a:latin typeface="Leelawadee" panose="020B0502040204020203" pitchFamily="34" charset="-34"/>
+              <a:cs typeface="Leelawadee" panose="020B0502040204020203" pitchFamily="34" charset="-34"/>
+            </a:endParaRPr>
+          </a:p>
+        </p:txBody>
+      </p:sp>
+    </p:spTree>
+    <p:extLst>
+      <p:ext uri="{BB962C8B-B14F-4D97-AF65-F5344CB8AC3E}">
+        <p14:creationId xmlns:p14="http://schemas.microsoft.com/office/powerpoint/2010/main" val="1639145241"/>
       </p:ext>
     </p:extLst>
   </p:cSld>
